--- a/ppt 16-9/1369.因耶和华欢心.pptx
+++ b/ppt 16-9/1369.因耶和华欢心.pptx
@@ -5,7 +5,7 @@
     <p:sldMasterId id="2147483648" r:id="rId1"/>
   </p:sldMasterIdLst>
   <p:sldIdLst>
-    <p:sldId id="936" r:id="rId2"/>
+    <p:sldId id="937" r:id="rId2"/>
   </p:sldIdLst>
   <p:sldSz cx="12192000" cy="6858000"/>
   <p:notesSz cx="6858000" cy="9144000"/>
@@ -129,7 +129,7 @@
           <p:cNvPr id="2" name="标题 1">
             <a:extLst>
               <a:ext uri="{FF2B5EF4-FFF2-40B4-BE49-F238E27FC236}">
-                <a16:creationId xmlns:a16="http://schemas.microsoft.com/office/drawing/2014/main" id="{DB81D1FE-E131-7B63-CA4B-3FC82ACE1885}"/>
+                <a16:creationId xmlns:a16="http://schemas.microsoft.com/office/drawing/2014/main" id="{ACB2A859-B681-48A6-3EF9-03FB622EC556}"/>
               </a:ext>
             </a:extLst>
           </p:cNvPr>
@@ -166,7 +166,7 @@
           <p:cNvPr id="3" name="副标题 2">
             <a:extLst>
               <a:ext uri="{FF2B5EF4-FFF2-40B4-BE49-F238E27FC236}">
-                <a16:creationId xmlns:a16="http://schemas.microsoft.com/office/drawing/2014/main" id="{D1D06692-BC80-9A88-3335-4BEED720C67B}"/>
+                <a16:creationId xmlns:a16="http://schemas.microsoft.com/office/drawing/2014/main" id="{2E607D91-7398-FBD7-17B3-AC21E3499A8A}"/>
               </a:ext>
             </a:extLst>
           </p:cNvPr>
@@ -236,7 +236,7 @@
           <p:cNvPr id="4" name="日期占位符 3">
             <a:extLst>
               <a:ext uri="{FF2B5EF4-FFF2-40B4-BE49-F238E27FC236}">
-                <a16:creationId xmlns:a16="http://schemas.microsoft.com/office/drawing/2014/main" id="{3A848B50-80DF-E9D7-FB6B-0282605EAE2B}"/>
+                <a16:creationId xmlns:a16="http://schemas.microsoft.com/office/drawing/2014/main" id="{A85F3009-68D9-B256-F896-33F7E877C3AC}"/>
               </a:ext>
             </a:extLst>
           </p:cNvPr>
@@ -252,7 +252,7 @@
           <a:bodyPr/>
           <a:lstStyle/>
           <a:p>
-            <a:fld id="{61EE562C-5E64-4C7D-8D5F-D6C0C042B576}" type="datetimeFigureOut">
+            <a:fld id="{B53FA44D-641E-499E-A65C-1392B9AC39B4}" type="datetimeFigureOut">
               <a:rPr lang="zh-CN" altLang="en-US" smtClean="0"/>
               <a:t>2024/3/10</a:t>
             </a:fld>
@@ -265,7 +265,7 @@
           <p:cNvPr id="5" name="页脚占位符 4">
             <a:extLst>
               <a:ext uri="{FF2B5EF4-FFF2-40B4-BE49-F238E27FC236}">
-                <a16:creationId xmlns:a16="http://schemas.microsoft.com/office/drawing/2014/main" id="{3420EE22-C100-7502-2C38-E4B48A6A181A}"/>
+                <a16:creationId xmlns:a16="http://schemas.microsoft.com/office/drawing/2014/main" id="{EAACF8D7-1180-EEB5-01C8-E03A85724B8F}"/>
               </a:ext>
             </a:extLst>
           </p:cNvPr>
@@ -290,7 +290,7 @@
           <p:cNvPr id="6" name="灯片编号占位符 5">
             <a:extLst>
               <a:ext uri="{FF2B5EF4-FFF2-40B4-BE49-F238E27FC236}">
-                <a16:creationId xmlns:a16="http://schemas.microsoft.com/office/drawing/2014/main" id="{F5A7B6B3-364B-C3E7-5811-553AC9B3C52A}"/>
+                <a16:creationId xmlns:a16="http://schemas.microsoft.com/office/drawing/2014/main" id="{0755EB2E-520A-7228-7827-D10C1942C4C5}"/>
               </a:ext>
             </a:extLst>
           </p:cNvPr>
@@ -306,7 +306,7 @@
           <a:bodyPr/>
           <a:lstStyle/>
           <a:p>
-            <a:fld id="{E3009738-0170-4312-834D-261C03219B48}" type="slidenum">
+            <a:fld id="{1B90F73C-C11F-47F7-8F2D-A73872DA90EA}" type="slidenum">
               <a:rPr lang="zh-CN" altLang="en-US" smtClean="0"/>
               <a:t>‹#›</a:t>
             </a:fld>
@@ -317,7 +317,7 @@
     </p:spTree>
     <p:extLst>
       <p:ext uri="{BB962C8B-B14F-4D97-AF65-F5344CB8AC3E}">
-        <p14:creationId xmlns:p14="http://schemas.microsoft.com/office/powerpoint/2010/main" val="444345564"/>
+        <p14:creationId xmlns:p14="http://schemas.microsoft.com/office/powerpoint/2010/main" val="706153034"/>
       </p:ext>
     </p:extLst>
   </p:cSld>
@@ -349,7 +349,7 @@
           <p:cNvPr id="2" name="标题 1">
             <a:extLst>
               <a:ext uri="{FF2B5EF4-FFF2-40B4-BE49-F238E27FC236}">
-                <a16:creationId xmlns:a16="http://schemas.microsoft.com/office/drawing/2014/main" id="{9A9302A4-3187-293C-F7B3-7B31A599CB5A}"/>
+                <a16:creationId xmlns:a16="http://schemas.microsoft.com/office/drawing/2014/main" id="{8EBC2930-43B3-1F7A-24B8-15D35F5138D3}"/>
               </a:ext>
             </a:extLst>
           </p:cNvPr>
@@ -377,7 +377,7 @@
           <p:cNvPr id="3" name="竖排文字占位符 2">
             <a:extLst>
               <a:ext uri="{FF2B5EF4-FFF2-40B4-BE49-F238E27FC236}">
-                <a16:creationId xmlns:a16="http://schemas.microsoft.com/office/drawing/2014/main" id="{77F177E8-377B-7A71-277D-E5093155577F}"/>
+                <a16:creationId xmlns:a16="http://schemas.microsoft.com/office/drawing/2014/main" id="{376F4D62-8DD7-C68A-59CE-174D1327E527}"/>
               </a:ext>
             </a:extLst>
           </p:cNvPr>
@@ -434,7 +434,7 @@
           <p:cNvPr id="4" name="日期占位符 3">
             <a:extLst>
               <a:ext uri="{FF2B5EF4-FFF2-40B4-BE49-F238E27FC236}">
-                <a16:creationId xmlns:a16="http://schemas.microsoft.com/office/drawing/2014/main" id="{E0B9F971-6B55-82EF-FAFA-AC3FC26FBF03}"/>
+                <a16:creationId xmlns:a16="http://schemas.microsoft.com/office/drawing/2014/main" id="{D9C988B0-B7E4-58F2-B19C-CBC614C8D8C0}"/>
               </a:ext>
             </a:extLst>
           </p:cNvPr>
@@ -450,7 +450,7 @@
           <a:bodyPr/>
           <a:lstStyle/>
           <a:p>
-            <a:fld id="{61EE562C-5E64-4C7D-8D5F-D6C0C042B576}" type="datetimeFigureOut">
+            <a:fld id="{B53FA44D-641E-499E-A65C-1392B9AC39B4}" type="datetimeFigureOut">
               <a:rPr lang="zh-CN" altLang="en-US" smtClean="0"/>
               <a:t>2024/3/10</a:t>
             </a:fld>
@@ -463,7 +463,7 @@
           <p:cNvPr id="5" name="页脚占位符 4">
             <a:extLst>
               <a:ext uri="{FF2B5EF4-FFF2-40B4-BE49-F238E27FC236}">
-                <a16:creationId xmlns:a16="http://schemas.microsoft.com/office/drawing/2014/main" id="{43EDC742-034B-FC15-0E24-0B01CF93C131}"/>
+                <a16:creationId xmlns:a16="http://schemas.microsoft.com/office/drawing/2014/main" id="{33899350-99A6-673B-002C-45D2AF9EBA92}"/>
               </a:ext>
             </a:extLst>
           </p:cNvPr>
@@ -488,7 +488,7 @@
           <p:cNvPr id="6" name="灯片编号占位符 5">
             <a:extLst>
               <a:ext uri="{FF2B5EF4-FFF2-40B4-BE49-F238E27FC236}">
-                <a16:creationId xmlns:a16="http://schemas.microsoft.com/office/drawing/2014/main" id="{F0664946-9B93-75E8-3ED5-384811139C5E}"/>
+                <a16:creationId xmlns:a16="http://schemas.microsoft.com/office/drawing/2014/main" id="{5F51E0F5-8308-7F5B-1417-F3B0F7EAEDC5}"/>
               </a:ext>
             </a:extLst>
           </p:cNvPr>
@@ -504,7 +504,7 @@
           <a:bodyPr/>
           <a:lstStyle/>
           <a:p>
-            <a:fld id="{E3009738-0170-4312-834D-261C03219B48}" type="slidenum">
+            <a:fld id="{1B90F73C-C11F-47F7-8F2D-A73872DA90EA}" type="slidenum">
               <a:rPr lang="zh-CN" altLang="en-US" smtClean="0"/>
               <a:t>‹#›</a:t>
             </a:fld>
@@ -515,7 +515,7 @@
     </p:spTree>
     <p:extLst>
       <p:ext uri="{BB962C8B-B14F-4D97-AF65-F5344CB8AC3E}">
-        <p14:creationId xmlns:p14="http://schemas.microsoft.com/office/powerpoint/2010/main" val="1346321739"/>
+        <p14:creationId xmlns:p14="http://schemas.microsoft.com/office/powerpoint/2010/main" val="725748171"/>
       </p:ext>
     </p:extLst>
   </p:cSld>
@@ -547,7 +547,7 @@
           <p:cNvPr id="2" name="竖排标题 1">
             <a:extLst>
               <a:ext uri="{FF2B5EF4-FFF2-40B4-BE49-F238E27FC236}">
-                <a16:creationId xmlns:a16="http://schemas.microsoft.com/office/drawing/2014/main" id="{0762F422-22F9-84D1-82C9-A1F656089357}"/>
+                <a16:creationId xmlns:a16="http://schemas.microsoft.com/office/drawing/2014/main" id="{567E14AB-115F-E933-CE43-4F087FF0FCAC}"/>
               </a:ext>
             </a:extLst>
           </p:cNvPr>
@@ -580,7 +580,7 @@
           <p:cNvPr id="3" name="竖排文字占位符 2">
             <a:extLst>
               <a:ext uri="{FF2B5EF4-FFF2-40B4-BE49-F238E27FC236}">
-                <a16:creationId xmlns:a16="http://schemas.microsoft.com/office/drawing/2014/main" id="{5A843C40-90CB-28B0-38DD-932C666EF336}"/>
+                <a16:creationId xmlns:a16="http://schemas.microsoft.com/office/drawing/2014/main" id="{01DF4F34-0136-6473-4915-B92E74012938}"/>
               </a:ext>
             </a:extLst>
           </p:cNvPr>
@@ -642,7 +642,7 @@
           <p:cNvPr id="4" name="日期占位符 3">
             <a:extLst>
               <a:ext uri="{FF2B5EF4-FFF2-40B4-BE49-F238E27FC236}">
-                <a16:creationId xmlns:a16="http://schemas.microsoft.com/office/drawing/2014/main" id="{817D0804-92CC-20DB-62FB-703564D622B0}"/>
+                <a16:creationId xmlns:a16="http://schemas.microsoft.com/office/drawing/2014/main" id="{E14621C6-58FB-FD3C-AB22-22C7ED06BA5D}"/>
               </a:ext>
             </a:extLst>
           </p:cNvPr>
@@ -658,7 +658,7 @@
           <a:bodyPr/>
           <a:lstStyle/>
           <a:p>
-            <a:fld id="{61EE562C-5E64-4C7D-8D5F-D6C0C042B576}" type="datetimeFigureOut">
+            <a:fld id="{B53FA44D-641E-499E-A65C-1392B9AC39B4}" type="datetimeFigureOut">
               <a:rPr lang="zh-CN" altLang="en-US" smtClean="0"/>
               <a:t>2024/3/10</a:t>
             </a:fld>
@@ -671,7 +671,7 @@
           <p:cNvPr id="5" name="页脚占位符 4">
             <a:extLst>
               <a:ext uri="{FF2B5EF4-FFF2-40B4-BE49-F238E27FC236}">
-                <a16:creationId xmlns:a16="http://schemas.microsoft.com/office/drawing/2014/main" id="{E22D4135-03DC-B95C-07F3-D26E5004B9EF}"/>
+                <a16:creationId xmlns:a16="http://schemas.microsoft.com/office/drawing/2014/main" id="{DB7111E1-04FC-0017-1986-64B2A7B4B379}"/>
               </a:ext>
             </a:extLst>
           </p:cNvPr>
@@ -696,7 +696,7 @@
           <p:cNvPr id="6" name="灯片编号占位符 5">
             <a:extLst>
               <a:ext uri="{FF2B5EF4-FFF2-40B4-BE49-F238E27FC236}">
-                <a16:creationId xmlns:a16="http://schemas.microsoft.com/office/drawing/2014/main" id="{160DFD17-719A-AE72-898F-A669DBEFC333}"/>
+                <a16:creationId xmlns:a16="http://schemas.microsoft.com/office/drawing/2014/main" id="{5E84E755-53FD-BEFF-378C-5675D438694E}"/>
               </a:ext>
             </a:extLst>
           </p:cNvPr>
@@ -712,7 +712,7 @@
           <a:bodyPr/>
           <a:lstStyle/>
           <a:p>
-            <a:fld id="{E3009738-0170-4312-834D-261C03219B48}" type="slidenum">
+            <a:fld id="{1B90F73C-C11F-47F7-8F2D-A73872DA90EA}" type="slidenum">
               <a:rPr lang="zh-CN" altLang="en-US" smtClean="0"/>
               <a:t>‹#›</a:t>
             </a:fld>
@@ -723,7 +723,7 @@
     </p:spTree>
     <p:extLst>
       <p:ext uri="{BB962C8B-B14F-4D97-AF65-F5344CB8AC3E}">
-        <p14:creationId xmlns:p14="http://schemas.microsoft.com/office/powerpoint/2010/main" val="903801527"/>
+        <p14:creationId xmlns:p14="http://schemas.microsoft.com/office/powerpoint/2010/main" val="444787888"/>
       </p:ext>
     </p:extLst>
   </p:cSld>
@@ -755,7 +755,7 @@
           <p:cNvPr id="2" name="标题 1">
             <a:extLst>
               <a:ext uri="{FF2B5EF4-FFF2-40B4-BE49-F238E27FC236}">
-                <a16:creationId xmlns:a16="http://schemas.microsoft.com/office/drawing/2014/main" id="{BA38AA22-9240-84C8-2251-E629CDECDC39}"/>
+                <a16:creationId xmlns:a16="http://schemas.microsoft.com/office/drawing/2014/main" id="{04B249AB-C8D2-4884-9CCE-3D65ACB248AC}"/>
               </a:ext>
             </a:extLst>
           </p:cNvPr>
@@ -783,7 +783,7 @@
           <p:cNvPr id="3" name="内容占位符 2">
             <a:extLst>
               <a:ext uri="{FF2B5EF4-FFF2-40B4-BE49-F238E27FC236}">
-                <a16:creationId xmlns:a16="http://schemas.microsoft.com/office/drawing/2014/main" id="{3D8295B3-DF57-035E-320D-F9090157D57F}"/>
+                <a16:creationId xmlns:a16="http://schemas.microsoft.com/office/drawing/2014/main" id="{CB1B090B-DD26-5CB1-26A2-0855BA631914}"/>
               </a:ext>
             </a:extLst>
           </p:cNvPr>
@@ -840,7 +840,7 @@
           <p:cNvPr id="4" name="日期占位符 3">
             <a:extLst>
               <a:ext uri="{FF2B5EF4-FFF2-40B4-BE49-F238E27FC236}">
-                <a16:creationId xmlns:a16="http://schemas.microsoft.com/office/drawing/2014/main" id="{0A3B9AB7-8A06-0A59-F97E-D0FAE81E02E9}"/>
+                <a16:creationId xmlns:a16="http://schemas.microsoft.com/office/drawing/2014/main" id="{22F6EB17-4A1B-12D5-F348-1EC8AE402A83}"/>
               </a:ext>
             </a:extLst>
           </p:cNvPr>
@@ -856,7 +856,7 @@
           <a:bodyPr/>
           <a:lstStyle/>
           <a:p>
-            <a:fld id="{61EE562C-5E64-4C7D-8D5F-D6C0C042B576}" type="datetimeFigureOut">
+            <a:fld id="{B53FA44D-641E-499E-A65C-1392B9AC39B4}" type="datetimeFigureOut">
               <a:rPr lang="zh-CN" altLang="en-US" smtClean="0"/>
               <a:t>2024/3/10</a:t>
             </a:fld>
@@ -869,7 +869,7 @@
           <p:cNvPr id="5" name="页脚占位符 4">
             <a:extLst>
               <a:ext uri="{FF2B5EF4-FFF2-40B4-BE49-F238E27FC236}">
-                <a16:creationId xmlns:a16="http://schemas.microsoft.com/office/drawing/2014/main" id="{CFC2D81B-4FA1-8549-7089-21B5CDC26CD3}"/>
+                <a16:creationId xmlns:a16="http://schemas.microsoft.com/office/drawing/2014/main" id="{C06C0185-9073-0067-04D3-7D9121213C51}"/>
               </a:ext>
             </a:extLst>
           </p:cNvPr>
@@ -894,7 +894,7 @@
           <p:cNvPr id="6" name="灯片编号占位符 5">
             <a:extLst>
               <a:ext uri="{FF2B5EF4-FFF2-40B4-BE49-F238E27FC236}">
-                <a16:creationId xmlns:a16="http://schemas.microsoft.com/office/drawing/2014/main" id="{33FFAD37-48AF-7A7B-87C3-4DEB6EE66429}"/>
+                <a16:creationId xmlns:a16="http://schemas.microsoft.com/office/drawing/2014/main" id="{7FCC06A7-AB17-7DBD-05D2-D73559A85A8B}"/>
               </a:ext>
             </a:extLst>
           </p:cNvPr>
@@ -910,7 +910,7 @@
           <a:bodyPr/>
           <a:lstStyle/>
           <a:p>
-            <a:fld id="{E3009738-0170-4312-834D-261C03219B48}" type="slidenum">
+            <a:fld id="{1B90F73C-C11F-47F7-8F2D-A73872DA90EA}" type="slidenum">
               <a:rPr lang="zh-CN" altLang="en-US" smtClean="0"/>
               <a:t>‹#›</a:t>
             </a:fld>
@@ -921,7 +921,7 @@
     </p:spTree>
     <p:extLst>
       <p:ext uri="{BB962C8B-B14F-4D97-AF65-F5344CB8AC3E}">
-        <p14:creationId xmlns:p14="http://schemas.microsoft.com/office/powerpoint/2010/main" val="3480979059"/>
+        <p14:creationId xmlns:p14="http://schemas.microsoft.com/office/powerpoint/2010/main" val="1935144589"/>
       </p:ext>
     </p:extLst>
   </p:cSld>
@@ -953,7 +953,7 @@
           <p:cNvPr id="2" name="标题 1">
             <a:extLst>
               <a:ext uri="{FF2B5EF4-FFF2-40B4-BE49-F238E27FC236}">
-                <a16:creationId xmlns:a16="http://schemas.microsoft.com/office/drawing/2014/main" id="{6FA93533-F61A-1644-8DE3-6C8FB481A1D2}"/>
+                <a16:creationId xmlns:a16="http://schemas.microsoft.com/office/drawing/2014/main" id="{B95059F5-EBA2-C251-EA0F-679EE8F647B0}"/>
               </a:ext>
             </a:extLst>
           </p:cNvPr>
@@ -990,7 +990,7 @@
           <p:cNvPr id="3" name="文本占位符 2">
             <a:extLst>
               <a:ext uri="{FF2B5EF4-FFF2-40B4-BE49-F238E27FC236}">
-                <a16:creationId xmlns:a16="http://schemas.microsoft.com/office/drawing/2014/main" id="{98F86C89-A2F5-8CAE-E937-9D80BC90A84A}"/>
+                <a16:creationId xmlns:a16="http://schemas.microsoft.com/office/drawing/2014/main" id="{D7D50C60-626E-F39F-351D-18D3FBCF7AB7}"/>
               </a:ext>
             </a:extLst>
           </p:cNvPr>
@@ -1115,7 +1115,7 @@
           <p:cNvPr id="4" name="日期占位符 3">
             <a:extLst>
               <a:ext uri="{FF2B5EF4-FFF2-40B4-BE49-F238E27FC236}">
-                <a16:creationId xmlns:a16="http://schemas.microsoft.com/office/drawing/2014/main" id="{1DD07443-DF54-9795-FECF-23F2A2768C3D}"/>
+                <a16:creationId xmlns:a16="http://schemas.microsoft.com/office/drawing/2014/main" id="{C114A259-4851-9898-F4DF-97D96BA6F31E}"/>
               </a:ext>
             </a:extLst>
           </p:cNvPr>
@@ -1131,7 +1131,7 @@
           <a:bodyPr/>
           <a:lstStyle/>
           <a:p>
-            <a:fld id="{61EE562C-5E64-4C7D-8D5F-D6C0C042B576}" type="datetimeFigureOut">
+            <a:fld id="{B53FA44D-641E-499E-A65C-1392B9AC39B4}" type="datetimeFigureOut">
               <a:rPr lang="zh-CN" altLang="en-US" smtClean="0"/>
               <a:t>2024/3/10</a:t>
             </a:fld>
@@ -1144,7 +1144,7 @@
           <p:cNvPr id="5" name="页脚占位符 4">
             <a:extLst>
               <a:ext uri="{FF2B5EF4-FFF2-40B4-BE49-F238E27FC236}">
-                <a16:creationId xmlns:a16="http://schemas.microsoft.com/office/drawing/2014/main" id="{D88D0C11-751E-4DBE-34A3-EE79CB2A76FD}"/>
+                <a16:creationId xmlns:a16="http://schemas.microsoft.com/office/drawing/2014/main" id="{A97BAB9C-8092-B144-E1C5-FBFBC99D559C}"/>
               </a:ext>
             </a:extLst>
           </p:cNvPr>
@@ -1169,7 +1169,7 @@
           <p:cNvPr id="6" name="灯片编号占位符 5">
             <a:extLst>
               <a:ext uri="{FF2B5EF4-FFF2-40B4-BE49-F238E27FC236}">
-                <a16:creationId xmlns:a16="http://schemas.microsoft.com/office/drawing/2014/main" id="{6502A3CB-375B-BA73-FA5F-D0BF70849575}"/>
+                <a16:creationId xmlns:a16="http://schemas.microsoft.com/office/drawing/2014/main" id="{7DDF4039-27DD-DAD7-9FCD-CE46103E2ABF}"/>
               </a:ext>
             </a:extLst>
           </p:cNvPr>
@@ -1185,7 +1185,7 @@
           <a:bodyPr/>
           <a:lstStyle/>
           <a:p>
-            <a:fld id="{E3009738-0170-4312-834D-261C03219B48}" type="slidenum">
+            <a:fld id="{1B90F73C-C11F-47F7-8F2D-A73872DA90EA}" type="slidenum">
               <a:rPr lang="zh-CN" altLang="en-US" smtClean="0"/>
               <a:t>‹#›</a:t>
             </a:fld>
@@ -1196,7 +1196,7 @@
     </p:spTree>
     <p:extLst>
       <p:ext uri="{BB962C8B-B14F-4D97-AF65-F5344CB8AC3E}">
-        <p14:creationId xmlns:p14="http://schemas.microsoft.com/office/powerpoint/2010/main" val="3515798777"/>
+        <p14:creationId xmlns:p14="http://schemas.microsoft.com/office/powerpoint/2010/main" val="1303037142"/>
       </p:ext>
     </p:extLst>
   </p:cSld>
@@ -1228,7 +1228,7 @@
           <p:cNvPr id="2" name="标题 1">
             <a:extLst>
               <a:ext uri="{FF2B5EF4-FFF2-40B4-BE49-F238E27FC236}">
-                <a16:creationId xmlns:a16="http://schemas.microsoft.com/office/drawing/2014/main" id="{40ABA81A-8826-9DC2-BE16-D0944308F60E}"/>
+                <a16:creationId xmlns:a16="http://schemas.microsoft.com/office/drawing/2014/main" id="{D3BDF612-F44F-08FB-14FA-8C05195E55CA}"/>
               </a:ext>
             </a:extLst>
           </p:cNvPr>
@@ -1256,7 +1256,7 @@
           <p:cNvPr id="3" name="内容占位符 2">
             <a:extLst>
               <a:ext uri="{FF2B5EF4-FFF2-40B4-BE49-F238E27FC236}">
-                <a16:creationId xmlns:a16="http://schemas.microsoft.com/office/drawing/2014/main" id="{11383C5F-9E10-4B45-15B4-690DFCB48848}"/>
+                <a16:creationId xmlns:a16="http://schemas.microsoft.com/office/drawing/2014/main" id="{9E43EB60-2114-B29D-BDEB-5D74316872C6}"/>
               </a:ext>
             </a:extLst>
           </p:cNvPr>
@@ -1318,7 +1318,7 @@
           <p:cNvPr id="4" name="内容占位符 3">
             <a:extLst>
               <a:ext uri="{FF2B5EF4-FFF2-40B4-BE49-F238E27FC236}">
-                <a16:creationId xmlns:a16="http://schemas.microsoft.com/office/drawing/2014/main" id="{637BF157-4CBA-553F-35B3-4A696723BA41}"/>
+                <a16:creationId xmlns:a16="http://schemas.microsoft.com/office/drawing/2014/main" id="{05B6743D-AC92-5073-5432-D0452FC65117}"/>
               </a:ext>
             </a:extLst>
           </p:cNvPr>
@@ -1380,7 +1380,7 @@
           <p:cNvPr id="5" name="日期占位符 4">
             <a:extLst>
               <a:ext uri="{FF2B5EF4-FFF2-40B4-BE49-F238E27FC236}">
-                <a16:creationId xmlns:a16="http://schemas.microsoft.com/office/drawing/2014/main" id="{94D06626-EA88-8F05-4EDF-AE0832DFFD64}"/>
+                <a16:creationId xmlns:a16="http://schemas.microsoft.com/office/drawing/2014/main" id="{DD294828-CBD4-5254-2289-6E17E835BA3B}"/>
               </a:ext>
             </a:extLst>
           </p:cNvPr>
@@ -1396,7 +1396,7 @@
           <a:bodyPr/>
           <a:lstStyle/>
           <a:p>
-            <a:fld id="{61EE562C-5E64-4C7D-8D5F-D6C0C042B576}" type="datetimeFigureOut">
+            <a:fld id="{B53FA44D-641E-499E-A65C-1392B9AC39B4}" type="datetimeFigureOut">
               <a:rPr lang="zh-CN" altLang="en-US" smtClean="0"/>
               <a:t>2024/3/10</a:t>
             </a:fld>
@@ -1409,7 +1409,7 @@
           <p:cNvPr id="6" name="页脚占位符 5">
             <a:extLst>
               <a:ext uri="{FF2B5EF4-FFF2-40B4-BE49-F238E27FC236}">
-                <a16:creationId xmlns:a16="http://schemas.microsoft.com/office/drawing/2014/main" id="{FB2067B8-7E89-0AB1-B76C-F7C3B0C57925}"/>
+                <a16:creationId xmlns:a16="http://schemas.microsoft.com/office/drawing/2014/main" id="{CE58A5C6-199B-9308-AACE-E3E15B699E44}"/>
               </a:ext>
             </a:extLst>
           </p:cNvPr>
@@ -1434,7 +1434,7 @@
           <p:cNvPr id="7" name="灯片编号占位符 6">
             <a:extLst>
               <a:ext uri="{FF2B5EF4-FFF2-40B4-BE49-F238E27FC236}">
-                <a16:creationId xmlns:a16="http://schemas.microsoft.com/office/drawing/2014/main" id="{F062E6A6-928D-6DB2-2ECC-D4A41218AAFA}"/>
+                <a16:creationId xmlns:a16="http://schemas.microsoft.com/office/drawing/2014/main" id="{B57085C1-BE0B-CB02-F3EE-8198BB51AA6B}"/>
               </a:ext>
             </a:extLst>
           </p:cNvPr>
@@ -1450,7 +1450,7 @@
           <a:bodyPr/>
           <a:lstStyle/>
           <a:p>
-            <a:fld id="{E3009738-0170-4312-834D-261C03219B48}" type="slidenum">
+            <a:fld id="{1B90F73C-C11F-47F7-8F2D-A73872DA90EA}" type="slidenum">
               <a:rPr lang="zh-CN" altLang="en-US" smtClean="0"/>
               <a:t>‹#›</a:t>
             </a:fld>
@@ -1461,7 +1461,7 @@
     </p:spTree>
     <p:extLst>
       <p:ext uri="{BB962C8B-B14F-4D97-AF65-F5344CB8AC3E}">
-        <p14:creationId xmlns:p14="http://schemas.microsoft.com/office/powerpoint/2010/main" val="1395855734"/>
+        <p14:creationId xmlns:p14="http://schemas.microsoft.com/office/powerpoint/2010/main" val="4100054768"/>
       </p:ext>
     </p:extLst>
   </p:cSld>
@@ -1493,7 +1493,7 @@
           <p:cNvPr id="2" name="标题 1">
             <a:extLst>
               <a:ext uri="{FF2B5EF4-FFF2-40B4-BE49-F238E27FC236}">
-                <a16:creationId xmlns:a16="http://schemas.microsoft.com/office/drawing/2014/main" id="{AE51795A-3E5F-D769-A76F-7BD8408AA692}"/>
+                <a16:creationId xmlns:a16="http://schemas.microsoft.com/office/drawing/2014/main" id="{4A681A7B-095D-BE1D-CB39-B7F5720C9BAD}"/>
               </a:ext>
             </a:extLst>
           </p:cNvPr>
@@ -1526,7 +1526,7 @@
           <p:cNvPr id="3" name="文本占位符 2">
             <a:extLst>
               <a:ext uri="{FF2B5EF4-FFF2-40B4-BE49-F238E27FC236}">
-                <a16:creationId xmlns:a16="http://schemas.microsoft.com/office/drawing/2014/main" id="{595ADCFD-281B-5F50-CD4B-2A5E82775C1A}"/>
+                <a16:creationId xmlns:a16="http://schemas.microsoft.com/office/drawing/2014/main" id="{2CA17AF1-289B-0330-3BA6-9BC248CB2C9D}"/>
               </a:ext>
             </a:extLst>
           </p:cNvPr>
@@ -1597,7 +1597,7 @@
           <p:cNvPr id="4" name="内容占位符 3">
             <a:extLst>
               <a:ext uri="{FF2B5EF4-FFF2-40B4-BE49-F238E27FC236}">
-                <a16:creationId xmlns:a16="http://schemas.microsoft.com/office/drawing/2014/main" id="{0BC75B75-039C-625A-B4F0-E33EBA073DAA}"/>
+                <a16:creationId xmlns:a16="http://schemas.microsoft.com/office/drawing/2014/main" id="{1613BCFE-1331-E33A-19AE-53B3C2DFC95F}"/>
               </a:ext>
             </a:extLst>
           </p:cNvPr>
@@ -1659,7 +1659,7 @@
           <p:cNvPr id="5" name="文本占位符 4">
             <a:extLst>
               <a:ext uri="{FF2B5EF4-FFF2-40B4-BE49-F238E27FC236}">
-                <a16:creationId xmlns:a16="http://schemas.microsoft.com/office/drawing/2014/main" id="{940EE925-F45F-4E35-151F-CF10CAC8D7E0}"/>
+                <a16:creationId xmlns:a16="http://schemas.microsoft.com/office/drawing/2014/main" id="{CF37B349-F30C-5D57-8CB7-8E202EB207C2}"/>
               </a:ext>
             </a:extLst>
           </p:cNvPr>
@@ -1730,7 +1730,7 @@
           <p:cNvPr id="6" name="内容占位符 5">
             <a:extLst>
               <a:ext uri="{FF2B5EF4-FFF2-40B4-BE49-F238E27FC236}">
-                <a16:creationId xmlns:a16="http://schemas.microsoft.com/office/drawing/2014/main" id="{2466DF90-D64E-7EAC-90B9-7BF51EEE0503}"/>
+                <a16:creationId xmlns:a16="http://schemas.microsoft.com/office/drawing/2014/main" id="{38B8CA1B-4A8D-1E27-E958-DA9231F6C2C7}"/>
               </a:ext>
             </a:extLst>
           </p:cNvPr>
@@ -1792,7 +1792,7 @@
           <p:cNvPr id="7" name="日期占位符 6">
             <a:extLst>
               <a:ext uri="{FF2B5EF4-FFF2-40B4-BE49-F238E27FC236}">
-                <a16:creationId xmlns:a16="http://schemas.microsoft.com/office/drawing/2014/main" id="{DDFF703B-0249-C132-17D3-736929CE3C32}"/>
+                <a16:creationId xmlns:a16="http://schemas.microsoft.com/office/drawing/2014/main" id="{1FBC574A-A53B-CC7D-3D4A-EF7736A9FF6A}"/>
               </a:ext>
             </a:extLst>
           </p:cNvPr>
@@ -1808,7 +1808,7 @@
           <a:bodyPr/>
           <a:lstStyle/>
           <a:p>
-            <a:fld id="{61EE562C-5E64-4C7D-8D5F-D6C0C042B576}" type="datetimeFigureOut">
+            <a:fld id="{B53FA44D-641E-499E-A65C-1392B9AC39B4}" type="datetimeFigureOut">
               <a:rPr lang="zh-CN" altLang="en-US" smtClean="0"/>
               <a:t>2024/3/10</a:t>
             </a:fld>
@@ -1821,7 +1821,7 @@
           <p:cNvPr id="8" name="页脚占位符 7">
             <a:extLst>
               <a:ext uri="{FF2B5EF4-FFF2-40B4-BE49-F238E27FC236}">
-                <a16:creationId xmlns:a16="http://schemas.microsoft.com/office/drawing/2014/main" id="{7868B9D5-061E-D832-E474-77B16CC992C2}"/>
+                <a16:creationId xmlns:a16="http://schemas.microsoft.com/office/drawing/2014/main" id="{789B78EE-093C-EF18-E63C-83A71D320DCF}"/>
               </a:ext>
             </a:extLst>
           </p:cNvPr>
@@ -1846,7 +1846,7 @@
           <p:cNvPr id="9" name="灯片编号占位符 8">
             <a:extLst>
               <a:ext uri="{FF2B5EF4-FFF2-40B4-BE49-F238E27FC236}">
-                <a16:creationId xmlns:a16="http://schemas.microsoft.com/office/drawing/2014/main" id="{498F3275-7E74-71F6-2A1D-64E731CB1DAF}"/>
+                <a16:creationId xmlns:a16="http://schemas.microsoft.com/office/drawing/2014/main" id="{47E16BD3-2236-614B-2E83-7C78088B1772}"/>
               </a:ext>
             </a:extLst>
           </p:cNvPr>
@@ -1862,7 +1862,7 @@
           <a:bodyPr/>
           <a:lstStyle/>
           <a:p>
-            <a:fld id="{E3009738-0170-4312-834D-261C03219B48}" type="slidenum">
+            <a:fld id="{1B90F73C-C11F-47F7-8F2D-A73872DA90EA}" type="slidenum">
               <a:rPr lang="zh-CN" altLang="en-US" smtClean="0"/>
               <a:t>‹#›</a:t>
             </a:fld>
@@ -1873,7 +1873,7 @@
     </p:spTree>
     <p:extLst>
       <p:ext uri="{BB962C8B-B14F-4D97-AF65-F5344CB8AC3E}">
-        <p14:creationId xmlns:p14="http://schemas.microsoft.com/office/powerpoint/2010/main" val="675103418"/>
+        <p14:creationId xmlns:p14="http://schemas.microsoft.com/office/powerpoint/2010/main" val="131026702"/>
       </p:ext>
     </p:extLst>
   </p:cSld>
@@ -1905,7 +1905,7 @@
           <p:cNvPr id="2" name="标题 1">
             <a:extLst>
               <a:ext uri="{FF2B5EF4-FFF2-40B4-BE49-F238E27FC236}">
-                <a16:creationId xmlns:a16="http://schemas.microsoft.com/office/drawing/2014/main" id="{BF0571E9-45D5-F419-61EA-2ED7659AE54A}"/>
+                <a16:creationId xmlns:a16="http://schemas.microsoft.com/office/drawing/2014/main" id="{230C2464-57D9-6283-3FCD-2523EEF5608E}"/>
               </a:ext>
             </a:extLst>
           </p:cNvPr>
@@ -1933,7 +1933,7 @@
           <p:cNvPr id="3" name="日期占位符 2">
             <a:extLst>
               <a:ext uri="{FF2B5EF4-FFF2-40B4-BE49-F238E27FC236}">
-                <a16:creationId xmlns:a16="http://schemas.microsoft.com/office/drawing/2014/main" id="{0C828EDD-9895-1D51-28AF-F10DAE832DA0}"/>
+                <a16:creationId xmlns:a16="http://schemas.microsoft.com/office/drawing/2014/main" id="{0B29AFB9-2114-EAF2-B448-BD685B73D2D5}"/>
               </a:ext>
             </a:extLst>
           </p:cNvPr>
@@ -1949,7 +1949,7 @@
           <a:bodyPr/>
           <a:lstStyle/>
           <a:p>
-            <a:fld id="{61EE562C-5E64-4C7D-8D5F-D6C0C042B576}" type="datetimeFigureOut">
+            <a:fld id="{B53FA44D-641E-499E-A65C-1392B9AC39B4}" type="datetimeFigureOut">
               <a:rPr lang="zh-CN" altLang="en-US" smtClean="0"/>
               <a:t>2024/3/10</a:t>
             </a:fld>
@@ -1962,7 +1962,7 @@
           <p:cNvPr id="4" name="页脚占位符 3">
             <a:extLst>
               <a:ext uri="{FF2B5EF4-FFF2-40B4-BE49-F238E27FC236}">
-                <a16:creationId xmlns:a16="http://schemas.microsoft.com/office/drawing/2014/main" id="{34AB0A2C-B34E-86B0-4C00-4079855829F4}"/>
+                <a16:creationId xmlns:a16="http://schemas.microsoft.com/office/drawing/2014/main" id="{608B62EE-7C23-0433-BAAF-B9A0344A1C79}"/>
               </a:ext>
             </a:extLst>
           </p:cNvPr>
@@ -1987,7 +1987,7 @@
           <p:cNvPr id="5" name="灯片编号占位符 4">
             <a:extLst>
               <a:ext uri="{FF2B5EF4-FFF2-40B4-BE49-F238E27FC236}">
-                <a16:creationId xmlns:a16="http://schemas.microsoft.com/office/drawing/2014/main" id="{27C3E362-3BCF-9978-0C1D-623019675D3F}"/>
+                <a16:creationId xmlns:a16="http://schemas.microsoft.com/office/drawing/2014/main" id="{B5504331-52B3-D4B9-CF78-A26227882FBD}"/>
               </a:ext>
             </a:extLst>
           </p:cNvPr>
@@ -2003,7 +2003,7 @@
           <a:bodyPr/>
           <a:lstStyle/>
           <a:p>
-            <a:fld id="{E3009738-0170-4312-834D-261C03219B48}" type="slidenum">
+            <a:fld id="{1B90F73C-C11F-47F7-8F2D-A73872DA90EA}" type="slidenum">
               <a:rPr lang="zh-CN" altLang="en-US" smtClean="0"/>
               <a:t>‹#›</a:t>
             </a:fld>
@@ -2014,7 +2014,7 @@
     </p:spTree>
     <p:extLst>
       <p:ext uri="{BB962C8B-B14F-4D97-AF65-F5344CB8AC3E}">
-        <p14:creationId xmlns:p14="http://schemas.microsoft.com/office/powerpoint/2010/main" val="822857246"/>
+        <p14:creationId xmlns:p14="http://schemas.microsoft.com/office/powerpoint/2010/main" val="1953173564"/>
       </p:ext>
     </p:extLst>
   </p:cSld>
@@ -2046,7 +2046,7 @@
           <p:cNvPr id="2" name="日期占位符 1">
             <a:extLst>
               <a:ext uri="{FF2B5EF4-FFF2-40B4-BE49-F238E27FC236}">
-                <a16:creationId xmlns:a16="http://schemas.microsoft.com/office/drawing/2014/main" id="{83C4D136-042F-5861-A342-1B6221D15A2D}"/>
+                <a16:creationId xmlns:a16="http://schemas.microsoft.com/office/drawing/2014/main" id="{253C682E-0138-D433-0472-1AC6BF183FFF}"/>
               </a:ext>
             </a:extLst>
           </p:cNvPr>
@@ -2062,7 +2062,7 @@
           <a:bodyPr/>
           <a:lstStyle/>
           <a:p>
-            <a:fld id="{61EE562C-5E64-4C7D-8D5F-D6C0C042B576}" type="datetimeFigureOut">
+            <a:fld id="{B53FA44D-641E-499E-A65C-1392B9AC39B4}" type="datetimeFigureOut">
               <a:rPr lang="zh-CN" altLang="en-US" smtClean="0"/>
               <a:t>2024/3/10</a:t>
             </a:fld>
@@ -2075,7 +2075,7 @@
           <p:cNvPr id="3" name="页脚占位符 2">
             <a:extLst>
               <a:ext uri="{FF2B5EF4-FFF2-40B4-BE49-F238E27FC236}">
-                <a16:creationId xmlns:a16="http://schemas.microsoft.com/office/drawing/2014/main" id="{33B568DD-8D67-C9C3-F6D4-1D36A993704F}"/>
+                <a16:creationId xmlns:a16="http://schemas.microsoft.com/office/drawing/2014/main" id="{46D5B566-1FE3-1C49-C18A-658E357FF960}"/>
               </a:ext>
             </a:extLst>
           </p:cNvPr>
@@ -2100,7 +2100,7 @@
           <p:cNvPr id="4" name="灯片编号占位符 3">
             <a:extLst>
               <a:ext uri="{FF2B5EF4-FFF2-40B4-BE49-F238E27FC236}">
-                <a16:creationId xmlns:a16="http://schemas.microsoft.com/office/drawing/2014/main" id="{4416285C-5647-453B-143F-32C1AC64B3BC}"/>
+                <a16:creationId xmlns:a16="http://schemas.microsoft.com/office/drawing/2014/main" id="{6DCD2538-6CE8-BCE3-0291-E66CC22E482C}"/>
               </a:ext>
             </a:extLst>
           </p:cNvPr>
@@ -2116,7 +2116,7 @@
           <a:bodyPr/>
           <a:lstStyle/>
           <a:p>
-            <a:fld id="{E3009738-0170-4312-834D-261C03219B48}" type="slidenum">
+            <a:fld id="{1B90F73C-C11F-47F7-8F2D-A73872DA90EA}" type="slidenum">
               <a:rPr lang="zh-CN" altLang="en-US" smtClean="0"/>
               <a:t>‹#›</a:t>
             </a:fld>
@@ -2127,7 +2127,7 @@
     </p:spTree>
     <p:extLst>
       <p:ext uri="{BB962C8B-B14F-4D97-AF65-F5344CB8AC3E}">
-        <p14:creationId xmlns:p14="http://schemas.microsoft.com/office/powerpoint/2010/main" val="2188539162"/>
+        <p14:creationId xmlns:p14="http://schemas.microsoft.com/office/powerpoint/2010/main" val="1025807104"/>
       </p:ext>
     </p:extLst>
   </p:cSld>
@@ -2159,7 +2159,7 @@
           <p:cNvPr id="2" name="标题 1">
             <a:extLst>
               <a:ext uri="{FF2B5EF4-FFF2-40B4-BE49-F238E27FC236}">
-                <a16:creationId xmlns:a16="http://schemas.microsoft.com/office/drawing/2014/main" id="{389497BF-C96A-2DB0-B36F-8EAC341C10ED}"/>
+                <a16:creationId xmlns:a16="http://schemas.microsoft.com/office/drawing/2014/main" id="{CF6CE65A-9526-E733-6B61-8F0265D83AF0}"/>
               </a:ext>
             </a:extLst>
           </p:cNvPr>
@@ -2196,7 +2196,7 @@
           <p:cNvPr id="3" name="内容占位符 2">
             <a:extLst>
               <a:ext uri="{FF2B5EF4-FFF2-40B4-BE49-F238E27FC236}">
-                <a16:creationId xmlns:a16="http://schemas.microsoft.com/office/drawing/2014/main" id="{A1DB8715-9E89-6B28-38C5-1DED66D90759}"/>
+                <a16:creationId xmlns:a16="http://schemas.microsoft.com/office/drawing/2014/main" id="{DC6D9F51-0A86-6275-3241-CB14287EDE21}"/>
               </a:ext>
             </a:extLst>
           </p:cNvPr>
@@ -2286,7 +2286,7 @@
           <p:cNvPr id="4" name="文本占位符 3">
             <a:extLst>
               <a:ext uri="{FF2B5EF4-FFF2-40B4-BE49-F238E27FC236}">
-                <a16:creationId xmlns:a16="http://schemas.microsoft.com/office/drawing/2014/main" id="{38785F84-D9B8-5B71-2F6B-B13B6F7280B9}"/>
+                <a16:creationId xmlns:a16="http://schemas.microsoft.com/office/drawing/2014/main" id="{F4C01A34-3064-670B-5C60-BF8FC60EB0FF}"/>
               </a:ext>
             </a:extLst>
           </p:cNvPr>
@@ -2357,7 +2357,7 @@
           <p:cNvPr id="5" name="日期占位符 4">
             <a:extLst>
               <a:ext uri="{FF2B5EF4-FFF2-40B4-BE49-F238E27FC236}">
-                <a16:creationId xmlns:a16="http://schemas.microsoft.com/office/drawing/2014/main" id="{27532CF3-E075-A0EE-29C4-3DA3AD76CBE8}"/>
+                <a16:creationId xmlns:a16="http://schemas.microsoft.com/office/drawing/2014/main" id="{8369F538-8F62-8BC9-E83A-0F41FB8B1131}"/>
               </a:ext>
             </a:extLst>
           </p:cNvPr>
@@ -2373,7 +2373,7 @@
           <a:bodyPr/>
           <a:lstStyle/>
           <a:p>
-            <a:fld id="{61EE562C-5E64-4C7D-8D5F-D6C0C042B576}" type="datetimeFigureOut">
+            <a:fld id="{B53FA44D-641E-499E-A65C-1392B9AC39B4}" type="datetimeFigureOut">
               <a:rPr lang="zh-CN" altLang="en-US" smtClean="0"/>
               <a:t>2024/3/10</a:t>
             </a:fld>
@@ -2386,7 +2386,7 @@
           <p:cNvPr id="6" name="页脚占位符 5">
             <a:extLst>
               <a:ext uri="{FF2B5EF4-FFF2-40B4-BE49-F238E27FC236}">
-                <a16:creationId xmlns:a16="http://schemas.microsoft.com/office/drawing/2014/main" id="{02720D47-9F23-F22D-CEF5-8DDC7CE5B7C7}"/>
+                <a16:creationId xmlns:a16="http://schemas.microsoft.com/office/drawing/2014/main" id="{BBE6803A-18E6-5305-C1BB-9455B0AA1B95}"/>
               </a:ext>
             </a:extLst>
           </p:cNvPr>
@@ -2411,7 +2411,7 @@
           <p:cNvPr id="7" name="灯片编号占位符 6">
             <a:extLst>
               <a:ext uri="{FF2B5EF4-FFF2-40B4-BE49-F238E27FC236}">
-                <a16:creationId xmlns:a16="http://schemas.microsoft.com/office/drawing/2014/main" id="{9D3A3B9F-5F83-FE74-9378-A329857B2187}"/>
+                <a16:creationId xmlns:a16="http://schemas.microsoft.com/office/drawing/2014/main" id="{BCFBF9DA-DFCC-72A5-24DC-83EF8A399535}"/>
               </a:ext>
             </a:extLst>
           </p:cNvPr>
@@ -2427,7 +2427,7 @@
           <a:bodyPr/>
           <a:lstStyle/>
           <a:p>
-            <a:fld id="{E3009738-0170-4312-834D-261C03219B48}" type="slidenum">
+            <a:fld id="{1B90F73C-C11F-47F7-8F2D-A73872DA90EA}" type="slidenum">
               <a:rPr lang="zh-CN" altLang="en-US" smtClean="0"/>
               <a:t>‹#›</a:t>
             </a:fld>
@@ -2438,7 +2438,7 @@
     </p:spTree>
     <p:extLst>
       <p:ext uri="{BB962C8B-B14F-4D97-AF65-F5344CB8AC3E}">
-        <p14:creationId xmlns:p14="http://schemas.microsoft.com/office/powerpoint/2010/main" val="2878959368"/>
+        <p14:creationId xmlns:p14="http://schemas.microsoft.com/office/powerpoint/2010/main" val="2450075360"/>
       </p:ext>
     </p:extLst>
   </p:cSld>
@@ -2470,7 +2470,7 @@
           <p:cNvPr id="2" name="标题 1">
             <a:extLst>
               <a:ext uri="{FF2B5EF4-FFF2-40B4-BE49-F238E27FC236}">
-                <a16:creationId xmlns:a16="http://schemas.microsoft.com/office/drawing/2014/main" id="{7249803B-8134-3685-501A-A83E05C6C121}"/>
+                <a16:creationId xmlns:a16="http://schemas.microsoft.com/office/drawing/2014/main" id="{6430CEDA-8861-9862-22F7-17A7A887034E}"/>
               </a:ext>
             </a:extLst>
           </p:cNvPr>
@@ -2507,7 +2507,7 @@
           <p:cNvPr id="3" name="图片占位符 2">
             <a:extLst>
               <a:ext uri="{FF2B5EF4-FFF2-40B4-BE49-F238E27FC236}">
-                <a16:creationId xmlns:a16="http://schemas.microsoft.com/office/drawing/2014/main" id="{8CD23F78-599A-B6D0-0D75-65CF87C1FDA4}"/>
+                <a16:creationId xmlns:a16="http://schemas.microsoft.com/office/drawing/2014/main" id="{D2B63188-825A-049C-073A-58C635C733E2}"/>
               </a:ext>
             </a:extLst>
           </p:cNvPr>
@@ -2574,7 +2574,7 @@
           <p:cNvPr id="4" name="文本占位符 3">
             <a:extLst>
               <a:ext uri="{FF2B5EF4-FFF2-40B4-BE49-F238E27FC236}">
-                <a16:creationId xmlns:a16="http://schemas.microsoft.com/office/drawing/2014/main" id="{F5EAA693-77F9-6048-587D-37D3B9E726D6}"/>
+                <a16:creationId xmlns:a16="http://schemas.microsoft.com/office/drawing/2014/main" id="{463638E0-72B9-0131-3423-E7ABFA2643D2}"/>
               </a:ext>
             </a:extLst>
           </p:cNvPr>
@@ -2645,7 +2645,7 @@
           <p:cNvPr id="5" name="日期占位符 4">
             <a:extLst>
               <a:ext uri="{FF2B5EF4-FFF2-40B4-BE49-F238E27FC236}">
-                <a16:creationId xmlns:a16="http://schemas.microsoft.com/office/drawing/2014/main" id="{FFCDEC9C-4115-DA38-1FA7-E1161843B059}"/>
+                <a16:creationId xmlns:a16="http://schemas.microsoft.com/office/drawing/2014/main" id="{32ABB4EA-23CB-FDCD-FD65-2A1523258953}"/>
               </a:ext>
             </a:extLst>
           </p:cNvPr>
@@ -2661,7 +2661,7 @@
           <a:bodyPr/>
           <a:lstStyle/>
           <a:p>
-            <a:fld id="{61EE562C-5E64-4C7D-8D5F-D6C0C042B576}" type="datetimeFigureOut">
+            <a:fld id="{B53FA44D-641E-499E-A65C-1392B9AC39B4}" type="datetimeFigureOut">
               <a:rPr lang="zh-CN" altLang="en-US" smtClean="0"/>
               <a:t>2024/3/10</a:t>
             </a:fld>
@@ -2674,7 +2674,7 @@
           <p:cNvPr id="6" name="页脚占位符 5">
             <a:extLst>
               <a:ext uri="{FF2B5EF4-FFF2-40B4-BE49-F238E27FC236}">
-                <a16:creationId xmlns:a16="http://schemas.microsoft.com/office/drawing/2014/main" id="{445AFE8F-BB39-C57B-1807-9B8A23A616F0}"/>
+                <a16:creationId xmlns:a16="http://schemas.microsoft.com/office/drawing/2014/main" id="{D582B0FE-7086-9E4E-F509-C267578D259B}"/>
               </a:ext>
             </a:extLst>
           </p:cNvPr>
@@ -2699,7 +2699,7 @@
           <p:cNvPr id="7" name="灯片编号占位符 6">
             <a:extLst>
               <a:ext uri="{FF2B5EF4-FFF2-40B4-BE49-F238E27FC236}">
-                <a16:creationId xmlns:a16="http://schemas.microsoft.com/office/drawing/2014/main" id="{D30413E9-329D-DA8A-0883-A6FE4A4A6C23}"/>
+                <a16:creationId xmlns:a16="http://schemas.microsoft.com/office/drawing/2014/main" id="{84F50EBF-D65F-8819-1797-5A0CA87DB47A}"/>
               </a:ext>
             </a:extLst>
           </p:cNvPr>
@@ -2715,7 +2715,7 @@
           <a:bodyPr/>
           <a:lstStyle/>
           <a:p>
-            <a:fld id="{E3009738-0170-4312-834D-261C03219B48}" type="slidenum">
+            <a:fld id="{1B90F73C-C11F-47F7-8F2D-A73872DA90EA}" type="slidenum">
               <a:rPr lang="zh-CN" altLang="en-US" smtClean="0"/>
               <a:t>‹#›</a:t>
             </a:fld>
@@ -2726,7 +2726,7 @@
     </p:spTree>
     <p:extLst>
       <p:ext uri="{BB962C8B-B14F-4D97-AF65-F5344CB8AC3E}">
-        <p14:creationId xmlns:p14="http://schemas.microsoft.com/office/powerpoint/2010/main" val="3667199879"/>
+        <p14:creationId xmlns:p14="http://schemas.microsoft.com/office/powerpoint/2010/main" val="111109790"/>
       </p:ext>
     </p:extLst>
   </p:cSld>
@@ -2763,7 +2763,7 @@
           <p:cNvPr id="2" name="标题占位符 1">
             <a:extLst>
               <a:ext uri="{FF2B5EF4-FFF2-40B4-BE49-F238E27FC236}">
-                <a16:creationId xmlns:a16="http://schemas.microsoft.com/office/drawing/2014/main" id="{44F6C933-F064-949A-1D8B-FE0D5E91E60D}"/>
+                <a16:creationId xmlns:a16="http://schemas.microsoft.com/office/drawing/2014/main" id="{05640899-2BE3-1337-8D4F-2367AEFA4BE7}"/>
               </a:ext>
             </a:extLst>
           </p:cNvPr>
@@ -2801,7 +2801,7 @@
           <p:cNvPr id="3" name="文本占位符 2">
             <a:extLst>
               <a:ext uri="{FF2B5EF4-FFF2-40B4-BE49-F238E27FC236}">
-                <a16:creationId xmlns:a16="http://schemas.microsoft.com/office/drawing/2014/main" id="{74B60E6A-7569-0271-F8F1-0EE30F265602}"/>
+                <a16:creationId xmlns:a16="http://schemas.microsoft.com/office/drawing/2014/main" id="{92FA5751-952B-DE1C-8C41-A16DCEE32C18}"/>
               </a:ext>
             </a:extLst>
           </p:cNvPr>
@@ -2868,7 +2868,7 @@
           <p:cNvPr id="4" name="日期占位符 3">
             <a:extLst>
               <a:ext uri="{FF2B5EF4-FFF2-40B4-BE49-F238E27FC236}">
-                <a16:creationId xmlns:a16="http://schemas.microsoft.com/office/drawing/2014/main" id="{CC81B321-EF49-085A-81A6-94BE68C6923E}"/>
+                <a16:creationId xmlns:a16="http://schemas.microsoft.com/office/drawing/2014/main" id="{C2A70316-FCF2-2154-35F8-4CA2B481A792}"/>
               </a:ext>
             </a:extLst>
           </p:cNvPr>
@@ -2902,7 +2902,7 @@
             </a:lvl1pPr>
           </a:lstStyle>
           <a:p>
-            <a:fld id="{61EE562C-5E64-4C7D-8D5F-D6C0C042B576}" type="datetimeFigureOut">
+            <a:fld id="{B53FA44D-641E-499E-A65C-1392B9AC39B4}" type="datetimeFigureOut">
               <a:rPr lang="zh-CN" altLang="en-US" smtClean="0"/>
               <a:t>2024/3/10</a:t>
             </a:fld>
@@ -2915,7 +2915,7 @@
           <p:cNvPr id="5" name="页脚占位符 4">
             <a:extLst>
               <a:ext uri="{FF2B5EF4-FFF2-40B4-BE49-F238E27FC236}">
-                <a16:creationId xmlns:a16="http://schemas.microsoft.com/office/drawing/2014/main" id="{6B02B062-DF28-F399-0E4E-77358903E989}"/>
+                <a16:creationId xmlns:a16="http://schemas.microsoft.com/office/drawing/2014/main" id="{8817672B-D66F-4A21-0B8A-99AA48DBB42B}"/>
               </a:ext>
             </a:extLst>
           </p:cNvPr>
@@ -2958,7 +2958,7 @@
           <p:cNvPr id="6" name="灯片编号占位符 5">
             <a:extLst>
               <a:ext uri="{FF2B5EF4-FFF2-40B4-BE49-F238E27FC236}">
-                <a16:creationId xmlns:a16="http://schemas.microsoft.com/office/drawing/2014/main" id="{B590D4A2-5DE8-4CCF-FAE6-C3EDD6341299}"/>
+                <a16:creationId xmlns:a16="http://schemas.microsoft.com/office/drawing/2014/main" id="{BAAC4062-2E39-0D8C-FC14-8EC87687E095}"/>
               </a:ext>
             </a:extLst>
           </p:cNvPr>
@@ -2992,7 +2992,7 @@
             </a:lvl1pPr>
           </a:lstStyle>
           <a:p>
-            <a:fld id="{E3009738-0170-4312-834D-261C03219B48}" type="slidenum">
+            <a:fld id="{1B90F73C-C11F-47F7-8F2D-A73872DA90EA}" type="slidenum">
               <a:rPr lang="zh-CN" altLang="en-US" smtClean="0"/>
               <a:t>‹#›</a:t>
             </a:fld>
@@ -3003,7 +3003,7 @@
     </p:spTree>
     <p:extLst>
       <p:ext uri="{BB962C8B-B14F-4D97-AF65-F5344CB8AC3E}">
-        <p14:creationId xmlns:p14="http://schemas.microsoft.com/office/powerpoint/2010/main" val="3935512929"/>
+        <p14:creationId xmlns:p14="http://schemas.microsoft.com/office/powerpoint/2010/main" val="3538793110"/>
       </p:ext>
     </p:extLst>
   </p:cSld>
@@ -3323,7 +3323,7 @@
       </p:grpSpPr>
       <p:pic>
         <p:nvPicPr>
-          <p:cNvPr id="1401858" name="Picture 2" descr="1368"/>
+          <p:cNvPr id="1402882" name="Picture 2" descr="1369"/>
           <p:cNvPicPr>
             <a:picLocks noChangeAspect="1" noChangeArrowheads="1"/>
           </p:cNvPicPr>
@@ -3344,8 +3344,8 @@
         </p:blipFill>
         <p:spPr bwMode="auto">
           <a:xfrm>
-            <a:off x="1524000" y="0"/>
-            <a:ext cx="9144000" cy="6858000"/>
+            <a:off x="1524000" y="1"/>
+            <a:ext cx="9144000" cy="6627813"/>
           </a:xfrm>
           <a:prstGeom prst="rect">
             <a:avLst/>
